--- a/Slides/ggl002-Libraries.pptx
+++ b/Slides/ggl002-Libraries.pptx
@@ -233,7 +233,7 @@
             <a:fld id="{C0D025BB-35D5-419D-8ED2-E5EDB67F143A}" type="datetimeFigureOut">
               <a:rPr lang="en-US" smtClean="0"/>
               <a:pPr/>
-              <a:t>8/9/2019</a:t>
+              <a:t>8/13/2019</a:t>
             </a:fld>
             <a:endParaRPr lang="en-US"/>
           </a:p>
@@ -626,7 +626,7 @@
             </a:r>
             <a:r>
               <a:rPr lang="en-US" dirty="0"/>
-              <a:t>. A ggl000-HelloTriangle </a:t>
+              <a:t>. A ggl001-HelloTriangle </a:t>
             </a:r>
             <a:r>
               <a:rPr lang="en-US" dirty="0" err="1"/>
@@ -6739,7 +6739,7 @@
           <a:p>
             <a:r>
               <a:rPr lang="en-US" dirty="0"/>
-              <a:t>(5) A ggl001App </a:t>
+              <a:t>(5) A ggl002App </a:t>
             </a:r>
             <a:r>
               <a:rPr lang="en-US" dirty="0" err="1"/>
@@ -10318,7 +10318,7 @@
               <a:t>belőle</a:t>
             </a:r>
             <a:r>
-              <a:rPr lang="en-US" b="0"/>
+              <a:rPr lang="en-US" b="0" dirty="0"/>
               <a:t>.</a:t>
             </a:r>
           </a:p>
@@ -12130,7 +12130,7 @@
           <a:p>
             <a:r>
               <a:rPr lang="en-US" dirty="0"/>
-              <a:t>A gg001-Libraries </a:t>
+              <a:t>A gg002-Libraries </a:t>
             </a:r>
             <a:r>
               <a:rPr lang="en-US" dirty="0" err="1"/>
@@ -14994,7 +14994,7 @@
             <a:fld id="{77DAEA1A-6276-4434-840E-9C81C04BC3C1}" type="datetimeFigureOut">
               <a:rPr lang="en-US" smtClean="0"/>
               <a:pPr/>
-              <a:t>8/9/2019</a:t>
+              <a:t>8/13/2019</a:t>
             </a:fld>
             <a:endParaRPr lang="en-US"/>
           </a:p>
@@ -15392,7 +15392,7 @@
             </a:r>
             <a:r>
               <a:rPr lang="en-US" dirty="0"/>
-              <a:t>l001-Libraries</a:t>
+              <a:t>l002-Libraries</a:t>
             </a:r>
           </a:p>
         </p:txBody>
@@ -17275,7 +17275,7 @@
           <a:p>
             <a:r>
               <a:rPr lang="en-US" sz="4000" dirty="0"/>
-              <a:t>ggl001App.h – </a:t>
+              <a:t>ggl002App.h – </a:t>
             </a:r>
             <a:r>
               <a:rPr lang="en-US" sz="4000" dirty="0" err="1"/>
@@ -17543,7 +17543,7 @@
             </a:r>
             <a:r>
               <a:rPr lang="en-US" dirty="0"/>
-              <a:t> a ggl001App </a:t>
+              <a:t> a ggl002App </a:t>
             </a:r>
             <a:r>
               <a:rPr lang="en-US" dirty="0" err="1"/>
@@ -18052,7 +18052,7 @@
             </a:r>
             <a:r>
               <a:rPr lang="en-US" dirty="0"/>
-              <a:t> gg001-Libraries </a:t>
+              <a:t> ggl002-Libraries </a:t>
             </a:r>
             <a:r>
               <a:rPr lang="en-US" dirty="0" err="1"/>
@@ -18162,7 +18162,15 @@
             </a:r>
             <a:r>
               <a:rPr lang="en-US" dirty="0"/>
-              <a:t> a gg001-Libaries.exe </a:t>
+              <a:t> </a:t>
+            </a:r>
+            <a:r>
+              <a:rPr lang="en-US"/>
+              <a:t>a ggl002-Libaries</a:t>
+            </a:r>
+            <a:r>
+              <a:rPr lang="en-US" dirty="0"/>
+              <a:t>.exe </a:t>
             </a:r>
             <a:r>
               <a:rPr lang="en-US" dirty="0" err="1"/>
@@ -18479,7 +18487,7 @@
             </a:pPr>
             <a:r>
               <a:rPr lang="en-US" dirty="0"/>
-              <a:t>A ggl001App-hoz adj </a:t>
+              <a:t>A ggl002App-hoz adj </a:t>
             </a:r>
             <a:r>
               <a:rPr lang="en-US" dirty="0" err="1"/>
@@ -20224,7 +20232,7 @@
             </a:r>
             <a:r>
               <a:rPr lang="en-US" dirty="0"/>
-              <a:t> gg001-Libraries </a:t>
+              <a:t> ggl002-Libraries </a:t>
             </a:r>
             <a:r>
               <a:rPr lang="en-US" dirty="0" err="1"/>
@@ -20531,7 +20539,7 @@
             </a:r>
             <a:r>
               <a:rPr lang="en-US" sz="2800" dirty="0"/>
-              <a:t> a gg001-Libraries </a:t>
+              <a:t> a ggl002-Libraries </a:t>
             </a:r>
             <a:r>
               <a:rPr lang="en-US" sz="2800" dirty="0" err="1"/>
@@ -20639,7 +20647,7 @@
           <a:p>
             <a:r>
               <a:rPr lang="en-US" sz="2800" dirty="0"/>
-              <a:t>gg001-Libraries / Debug / Working Directory</a:t>
+              <a:t>ggl002-Libraries / Debug / Working Directory</a:t>
             </a:r>
           </a:p>
           <a:p>
@@ -21992,7 +22000,7 @@
           <a:p>
             <a:r>
               <a:rPr lang="en-US" dirty="0"/>
-              <a:t>ggl001-Libraries</a:t>
+              <a:t>ggl002-Libraries</a:t>
             </a:r>
             <a:endParaRPr lang="hu-HU" dirty="0"/>
           </a:p>
@@ -22251,7 +22259,7 @@
           <a:p>
             <a:r>
               <a:rPr lang="en-US" b="1" dirty="0"/>
-              <a:t>ggl001App.h</a:t>
+              <a:t>ggl002App.h</a:t>
             </a:r>
             <a:r>
               <a:rPr lang="en-US" dirty="0"/>

--- a/Slides/ggl002-Libraries.pptx
+++ b/Slides/ggl002-Libraries.pptx
@@ -20208,7 +20208,15 @@
             </a:r>
             <a:r>
               <a:rPr lang="en-US" dirty="0"/>
-              <a:t> a dx12 solution-re, Add -&gt; Existing Project </a:t>
+              <a:t> a </a:t>
+            </a:r>
+            <a:r>
+              <a:rPr lang="en-US"/>
+              <a:t>GraphGame </a:t>
+            </a:r>
+            <a:r>
+              <a:rPr lang="en-US" dirty="0"/>
+              <a:t>solution-re, Add -&gt; Existing Project </a:t>
             </a:r>
             <a:r>
               <a:rPr lang="en-US" dirty="0" err="1"/>
